--- a/ppt/03-18.pptx
+++ b/ppt/03-18.pptx
@@ -6,7 +6,10 @@
   </p:sldMasterIdLst>
   <p:sldIdLst>
     <p:sldId id="256" r:id="rId2"/>
-    <p:sldId id="257" r:id="rId3"/>
+    <p:sldId id="260" r:id="rId3"/>
+    <p:sldId id="257" r:id="rId4"/>
+    <p:sldId id="258" r:id="rId5"/>
+    <p:sldId id="259" r:id="rId6"/>
   </p:sldIdLst>
   <p:sldSz cx="12192000" cy="6858000"/>
   <p:notesSz cx="6858000" cy="9144000"/>
@@ -3113,8 +3116,8 @@
         </p:nvSpPr>
         <p:spPr>
           <a:xfrm>
-            <a:off x="3312827" y="5036695"/>
-            <a:ext cx="4190571" cy="369332"/>
+            <a:off x="4047345" y="5175640"/>
+            <a:ext cx="3297698" cy="307777"/>
           </a:xfrm>
           <a:prstGeom prst="rect">
             <a:avLst/>
@@ -3128,28 +3131,72 @@
           <a:lstStyle/>
           <a:p>
             <a:r>
+              <a:rPr lang="ko-KR" altLang="en-US" sz="1400" dirty="0" smtClean="0"/>
+              <a:t>라벨 </a:t>
+            </a:r>
+            <a:r>
+              <a:rPr lang="ko-KR" altLang="en-US" sz="1400" dirty="0" err="1" smtClean="0"/>
+              <a:t>안나오는</a:t>
+            </a:r>
+            <a:r>
+              <a:rPr lang="ko-KR" altLang="en-US" sz="1400" dirty="0" smtClean="0"/>
+              <a:t> 부분 </a:t>
+            </a:r>
+            <a:r>
+              <a:rPr lang="en-US" altLang="ko-KR" sz="1400" dirty="0" smtClean="0"/>
+              <a:t>CSS </a:t>
+            </a:r>
+            <a:r>
+              <a:rPr lang="ko-KR" altLang="en-US" sz="1400" dirty="0" smtClean="0"/>
+              <a:t>수정했습니다</a:t>
+            </a:r>
+            <a:r>
+              <a:rPr lang="en-US" altLang="ko-KR" sz="1400" dirty="0" smtClean="0"/>
+              <a:t>.</a:t>
+            </a:r>
+            <a:endParaRPr lang="ko-KR" altLang="en-US" sz="1400" dirty="0"/>
+          </a:p>
+        </p:txBody>
+      </p:sp>
+      <p:sp>
+        <p:nvSpPr>
+          <p:cNvPr id="8" name="직사각형 7"/>
+          <p:cNvSpPr/>
+          <p:nvPr/>
+        </p:nvSpPr>
+        <p:spPr>
+          <a:xfrm>
+            <a:off x="0" y="6408295"/>
+            <a:ext cx="12192000" cy="449705"/>
+          </a:xfrm>
+          <a:prstGeom prst="rect">
+            <a:avLst/>
+          </a:prstGeom>
+        </p:spPr>
+        <p:style>
+          <a:lnRef idx="2">
+            <a:schemeClr val="accent1">
+              <a:shade val="50000"/>
+            </a:schemeClr>
+          </a:lnRef>
+          <a:fillRef idx="1">
+            <a:schemeClr val="accent1"/>
+          </a:fillRef>
+          <a:effectRef idx="0">
+            <a:schemeClr val="accent1"/>
+          </a:effectRef>
+          <a:fontRef idx="minor">
+            <a:schemeClr val="lt1"/>
+          </a:fontRef>
+        </p:style>
+        <p:txBody>
+          <a:bodyPr rtlCol="0" anchor="ctr"/>
+          <a:lstStyle/>
+          <a:p>
+            <a:pPr algn="ctr"/>
+            <a:r>
               <a:rPr lang="ko-KR" altLang="en-US" dirty="0" smtClean="0"/>
-              <a:t>라벨 </a:t>
-            </a:r>
-            <a:r>
-              <a:rPr lang="ko-KR" altLang="en-US" dirty="0" err="1" smtClean="0"/>
-              <a:t>안나오는</a:t>
-            </a:r>
-            <a:r>
-              <a:rPr lang="ko-KR" altLang="en-US" dirty="0" smtClean="0"/>
-              <a:t> 부분 </a:t>
-            </a:r>
-            <a:r>
-              <a:rPr lang="en-US" altLang="ko-KR" dirty="0" smtClean="0"/>
-              <a:t>CSS </a:t>
-            </a:r>
-            <a:r>
-              <a:rPr lang="ko-KR" altLang="en-US" dirty="0" smtClean="0"/>
-              <a:t>수정했습니다</a:t>
-            </a:r>
-            <a:r>
-              <a:rPr lang="en-US" altLang="ko-KR" dirty="0" smtClean="0"/>
-              <a:t>.</a:t>
+              <a:t>아래에 계속</a:t>
             </a:r>
             <a:endParaRPr lang="ko-KR" altLang="en-US" dirty="0"/>
           </a:p>
@@ -3187,14 +3234,14 @@
       </p:grpSpPr>
       <p:sp>
         <p:nvSpPr>
-          <p:cNvPr id="8" name="TextBox 7"/>
+          <p:cNvPr id="6" name="TextBox 5"/>
           <p:cNvSpPr txBox="1"/>
           <p:nvPr/>
         </p:nvSpPr>
         <p:spPr>
           <a:xfrm>
             <a:off x="545328" y="254833"/>
-            <a:ext cx="4124108" cy="369332"/>
+            <a:ext cx="1872629" cy="369332"/>
           </a:xfrm>
           <a:prstGeom prst="rect">
             <a:avLst/>
@@ -3202,16 +3249,503 @@
           <a:noFill/>
         </p:spPr>
         <p:txBody>
+          <a:bodyPr wrap="none" rtlCol="0">
+            <a:spAutoFit/>
+          </a:bodyPr>
+          <a:lstStyle/>
+          <a:p>
+            <a:r>
+              <a:rPr lang="en-US" altLang="ko-KR" dirty="0"/>
+              <a:t>UI-SJN-01-001U</a:t>
+            </a:r>
+            <a:endParaRPr lang="ko-KR" altLang="en-US" dirty="0"/>
+          </a:p>
+        </p:txBody>
+      </p:sp>
+      <p:pic>
+        <p:nvPicPr>
+          <p:cNvPr id="5" name="그림 4"/>
+          <p:cNvPicPr>
+            <a:picLocks noChangeAspect="1"/>
+          </p:cNvPicPr>
+          <p:nvPr/>
+        </p:nvPicPr>
+        <p:blipFill>
+          <a:blip r:embed="rId2"/>
+          <a:stretch>
+            <a:fillRect/>
+          </a:stretch>
+        </p:blipFill>
+        <p:spPr>
+          <a:xfrm>
+            <a:off x="545328" y="1012660"/>
+            <a:ext cx="3324689" cy="2734057"/>
+          </a:xfrm>
+          <a:prstGeom prst="rect">
+            <a:avLst/>
+          </a:prstGeom>
+        </p:spPr>
+      </p:pic>
+      <p:cxnSp>
+        <p:nvCxnSpPr>
+          <p:cNvPr id="8" name="직선 화살표 연결선 7"/>
+          <p:cNvCxnSpPr/>
+          <p:nvPr/>
+        </p:nvCxnSpPr>
+        <p:spPr>
+          <a:xfrm>
+            <a:off x="2623279" y="1506511"/>
+            <a:ext cx="0" cy="494676"/>
+          </a:xfrm>
+          <a:prstGeom prst="straightConnector1">
+            <a:avLst/>
+          </a:prstGeom>
+          <a:ln>
+            <a:headEnd type="triangle"/>
+            <a:tailEnd type="triangle"/>
+          </a:ln>
+        </p:spPr>
+        <p:style>
+          <a:lnRef idx="1">
+            <a:schemeClr val="accent1"/>
+          </a:lnRef>
+          <a:fillRef idx="0">
+            <a:schemeClr val="accent1"/>
+          </a:fillRef>
+          <a:effectRef idx="0">
+            <a:schemeClr val="accent1"/>
+          </a:effectRef>
+          <a:fontRef idx="minor">
+            <a:schemeClr val="tx1"/>
+          </a:fontRef>
+        </p:style>
+      </p:cxnSp>
+      <p:cxnSp>
+        <p:nvCxnSpPr>
+          <p:cNvPr id="10" name="직선 화살표 연결선 9"/>
+          <p:cNvCxnSpPr/>
+          <p:nvPr/>
+        </p:nvCxnSpPr>
+        <p:spPr>
+          <a:xfrm flipH="1">
+            <a:off x="2878111" y="1753849"/>
+            <a:ext cx="1461541" cy="0"/>
+          </a:xfrm>
+          <a:prstGeom prst="straightConnector1">
+            <a:avLst/>
+          </a:prstGeom>
+          <a:ln>
+            <a:tailEnd type="triangle"/>
+          </a:ln>
+        </p:spPr>
+        <p:style>
+          <a:lnRef idx="1">
+            <a:schemeClr val="accent1"/>
+          </a:lnRef>
+          <a:fillRef idx="0">
+            <a:schemeClr val="accent1"/>
+          </a:fillRef>
+          <a:effectRef idx="0">
+            <a:schemeClr val="accent1"/>
+          </a:effectRef>
+          <a:fontRef idx="minor">
+            <a:schemeClr val="tx1"/>
+          </a:fontRef>
+        </p:style>
+      </p:cxnSp>
+      <p:sp>
+        <p:nvSpPr>
+          <p:cNvPr id="13" name="TextBox 12"/>
+          <p:cNvSpPr txBox="1"/>
+          <p:nvPr/>
+        </p:nvSpPr>
+        <p:spPr>
+          <a:xfrm>
+            <a:off x="4444583" y="1599960"/>
+            <a:ext cx="3347391" cy="307777"/>
+          </a:xfrm>
+          <a:prstGeom prst="rect">
+            <a:avLst/>
+          </a:prstGeom>
+          <a:noFill/>
+        </p:spPr>
+        <p:txBody>
+          <a:bodyPr wrap="none" rtlCol="0">
+            <a:spAutoFit/>
+          </a:bodyPr>
+          <a:lstStyle/>
+          <a:p>
+            <a:r>
+              <a:rPr lang="ko-KR" altLang="en-US" sz="1400" dirty="0" smtClean="0"/>
+              <a:t>이 부분 글자 </a:t>
+            </a:r>
+            <a:r>
+              <a:rPr lang="ko-KR" altLang="en-US" sz="1400" dirty="0" err="1" smtClean="0"/>
+              <a:t>롤링되도록</a:t>
+            </a:r>
+            <a:r>
+              <a:rPr lang="ko-KR" altLang="en-US" sz="1400" dirty="0" smtClean="0"/>
+              <a:t> 수정했습니다</a:t>
+            </a:r>
+            <a:r>
+              <a:rPr lang="en-US" altLang="ko-KR" sz="1400" dirty="0" smtClean="0"/>
+              <a:t>.</a:t>
+            </a:r>
+            <a:endParaRPr lang="ko-KR" altLang="en-US" sz="1400" dirty="0"/>
+          </a:p>
+        </p:txBody>
+      </p:sp>
+      <p:pic>
+        <p:nvPicPr>
+          <p:cNvPr id="14" name="그림 13"/>
+          <p:cNvPicPr>
+            <a:picLocks noChangeAspect="1"/>
+          </p:cNvPicPr>
+          <p:nvPr/>
+        </p:nvPicPr>
+        <p:blipFill>
+          <a:blip r:embed="rId3"/>
+          <a:stretch>
+            <a:fillRect/>
+          </a:stretch>
+        </p:blipFill>
+        <p:spPr>
+          <a:xfrm>
+            <a:off x="4613183" y="2379688"/>
+            <a:ext cx="2800741" cy="552527"/>
+          </a:xfrm>
+          <a:prstGeom prst="rect">
+            <a:avLst/>
+          </a:prstGeom>
+        </p:spPr>
+      </p:pic>
+    </p:spTree>
+    <p:extLst>
+      <p:ext uri="{BB962C8B-B14F-4D97-AF65-F5344CB8AC3E}">
+        <p14:creationId xmlns:p14="http://schemas.microsoft.com/office/powerpoint/2010/main" val="3632823412"/>
+      </p:ext>
+    </p:extLst>
+  </p:cSld>
+  <p:clrMapOvr>
+    <a:masterClrMapping/>
+  </p:clrMapOvr>
+</p:sld>
+</file>
+
+<file path=ppt/slides/slide3.xml><?xml version="1.0" encoding="utf-8"?>
+<p:sld xmlns:a="http://schemas.openxmlformats.org/drawingml/2006/main" xmlns:r="http://schemas.openxmlformats.org/officeDocument/2006/relationships" xmlns:p="http://schemas.openxmlformats.org/presentationml/2006/main">
+  <p:cSld>
+    <p:spTree>
+      <p:nvGrpSpPr>
+        <p:cNvPr id="1" name=""/>
+        <p:cNvGrpSpPr/>
+        <p:nvPr/>
+      </p:nvGrpSpPr>
+      <p:grpSpPr>
+        <a:xfrm>
+          <a:off x="0" y="0"/>
+          <a:ext cx="0" cy="0"/>
+          <a:chOff x="0" y="0"/>
+          <a:chExt cx="0" cy="0"/>
+        </a:xfrm>
+      </p:grpSpPr>
+      <p:sp>
+        <p:nvSpPr>
+          <p:cNvPr id="8" name="TextBox 7"/>
+          <p:cNvSpPr txBox="1"/>
+          <p:nvPr/>
+        </p:nvSpPr>
+        <p:spPr>
+          <a:xfrm>
+            <a:off x="545328" y="254833"/>
+            <a:ext cx="4124108" cy="369332"/>
+          </a:xfrm>
+          <a:prstGeom prst="rect">
+            <a:avLst/>
+          </a:prstGeom>
+          <a:noFill/>
+        </p:spPr>
+        <p:txBody>
           <a:bodyPr wrap="square" rtlCol="0">
             <a:spAutoFit/>
           </a:bodyPr>
           <a:lstStyle/>
           <a:p>
             <a:r>
-              <a:rPr lang="en-US" altLang="ko-KR" dirty="0" smtClean="0"/>
-              <a:t>common_table</a:t>
+              <a:rPr lang="ko-KR" altLang="en-US" dirty="0" smtClean="0"/>
+              <a:t>공통</a:t>
             </a:r>
             <a:endParaRPr lang="ko-KR" altLang="en-US" dirty="0"/>
+          </a:p>
+        </p:txBody>
+      </p:sp>
+      <p:pic>
+        <p:nvPicPr>
+          <p:cNvPr id="4" name="그림 3"/>
+          <p:cNvPicPr>
+            <a:picLocks noChangeAspect="1"/>
+          </p:cNvPicPr>
+          <p:nvPr/>
+        </p:nvPicPr>
+        <p:blipFill>
+          <a:blip r:embed="rId2"/>
+          <a:stretch>
+            <a:fillRect/>
+          </a:stretch>
+        </p:blipFill>
+        <p:spPr>
+          <a:xfrm>
+            <a:off x="545328" y="800962"/>
+            <a:ext cx="5796003" cy="4319314"/>
+          </a:xfrm>
+          <a:prstGeom prst="rect">
+            <a:avLst/>
+          </a:prstGeom>
+        </p:spPr>
+      </p:pic>
+      <p:pic>
+        <p:nvPicPr>
+          <p:cNvPr id="9" name="그림 8"/>
+          <p:cNvPicPr>
+            <a:picLocks noChangeAspect="1"/>
+          </p:cNvPicPr>
+          <p:nvPr/>
+        </p:nvPicPr>
+        <p:blipFill>
+          <a:blip r:embed="rId3"/>
+          <a:stretch>
+            <a:fillRect/>
+          </a:stretch>
+        </p:blipFill>
+        <p:spPr>
+          <a:xfrm>
+            <a:off x="6756759" y="800962"/>
+            <a:ext cx="3661405" cy="4319314"/>
+          </a:xfrm>
+          <a:prstGeom prst="rect">
+            <a:avLst/>
+          </a:prstGeom>
+        </p:spPr>
+      </p:pic>
+      <p:sp>
+        <p:nvSpPr>
+          <p:cNvPr id="11" name="TextBox 10"/>
+          <p:cNvSpPr txBox="1"/>
+          <p:nvPr/>
+        </p:nvSpPr>
+        <p:spPr>
+          <a:xfrm>
+            <a:off x="6454890" y="5610397"/>
+            <a:ext cx="4265142" cy="307777"/>
+          </a:xfrm>
+          <a:prstGeom prst="rect">
+            <a:avLst/>
+          </a:prstGeom>
+          <a:noFill/>
+        </p:spPr>
+        <p:txBody>
+          <a:bodyPr wrap="none" rtlCol="0">
+            <a:spAutoFit/>
+          </a:bodyPr>
+          <a:lstStyle/>
+          <a:p>
+            <a:r>
+              <a:rPr lang="en-US" altLang="ko-KR" sz="1400" dirty="0" smtClean="0"/>
+              <a:t>1190px </a:t>
+            </a:r>
+            <a:r>
+              <a:rPr lang="ko-KR" altLang="en-US" sz="1400" dirty="0" smtClean="0"/>
+              <a:t>크기 이하에서 </a:t>
+            </a:r>
+            <a:r>
+              <a:rPr lang="en-US" altLang="ko-KR" sz="1400" dirty="0" smtClean="0"/>
+              <a:t>100%</a:t>
+            </a:r>
+            <a:r>
+              <a:rPr lang="ko-KR" altLang="en-US" sz="1400" dirty="0" smtClean="0"/>
+              <a:t>로 작업되어 있습니다</a:t>
+            </a:r>
+            <a:r>
+              <a:rPr lang="en-US" altLang="ko-KR" sz="1400" dirty="0" smtClean="0"/>
+              <a:t>.</a:t>
+            </a:r>
+            <a:endParaRPr lang="ko-KR" altLang="en-US" sz="1400" dirty="0"/>
+          </a:p>
+        </p:txBody>
+      </p:sp>
+      <p:sp>
+        <p:nvSpPr>
+          <p:cNvPr id="14" name="직사각형 13"/>
+          <p:cNvSpPr/>
+          <p:nvPr/>
+        </p:nvSpPr>
+        <p:spPr>
+          <a:xfrm>
+            <a:off x="0" y="6408295"/>
+            <a:ext cx="12192000" cy="449705"/>
+          </a:xfrm>
+          <a:prstGeom prst="rect">
+            <a:avLst/>
+          </a:prstGeom>
+        </p:spPr>
+        <p:style>
+          <a:lnRef idx="2">
+            <a:schemeClr val="accent1">
+              <a:shade val="50000"/>
+            </a:schemeClr>
+          </a:lnRef>
+          <a:fillRef idx="1">
+            <a:schemeClr val="accent1"/>
+          </a:fillRef>
+          <a:effectRef idx="0">
+            <a:schemeClr val="accent1"/>
+          </a:effectRef>
+          <a:fontRef idx="minor">
+            <a:schemeClr val="lt1"/>
+          </a:fontRef>
+        </p:style>
+        <p:txBody>
+          <a:bodyPr rtlCol="0" anchor="ctr"/>
+          <a:lstStyle/>
+          <a:p>
+            <a:pPr algn="ctr"/>
+            <a:r>
+              <a:rPr lang="ko-KR" altLang="en-US" dirty="0" smtClean="0"/>
+              <a:t>아래에 계속</a:t>
+            </a:r>
+            <a:endParaRPr lang="ko-KR" altLang="en-US" dirty="0"/>
+          </a:p>
+        </p:txBody>
+      </p:sp>
+    </p:spTree>
+    <p:extLst>
+      <p:ext uri="{BB962C8B-B14F-4D97-AF65-F5344CB8AC3E}">
+        <p14:creationId xmlns:p14="http://schemas.microsoft.com/office/powerpoint/2010/main" val="2323447768"/>
+      </p:ext>
+    </p:extLst>
+  </p:cSld>
+  <p:clrMapOvr>
+    <a:masterClrMapping/>
+  </p:clrMapOvr>
+</p:sld>
+</file>
+
+<file path=ppt/slides/slide4.xml><?xml version="1.0" encoding="utf-8"?>
+<p:sld xmlns:a="http://schemas.openxmlformats.org/drawingml/2006/main" xmlns:r="http://schemas.openxmlformats.org/officeDocument/2006/relationships" xmlns:p="http://schemas.openxmlformats.org/presentationml/2006/main">
+  <p:cSld>
+    <p:spTree>
+      <p:nvGrpSpPr>
+        <p:cNvPr id="1" name=""/>
+        <p:cNvGrpSpPr/>
+        <p:nvPr/>
+      </p:nvGrpSpPr>
+      <p:grpSpPr>
+        <a:xfrm>
+          <a:off x="0" y="0"/>
+          <a:ext cx="0" cy="0"/>
+          <a:chOff x="0" y="0"/>
+          <a:chExt cx="0" cy="0"/>
+        </a:xfrm>
+      </p:grpSpPr>
+      <p:sp>
+        <p:nvSpPr>
+          <p:cNvPr id="7" name="TextBox 6"/>
+          <p:cNvSpPr txBox="1"/>
+          <p:nvPr/>
+        </p:nvSpPr>
+        <p:spPr>
+          <a:xfrm>
+            <a:off x="492862" y="479685"/>
+            <a:ext cx="3602268" cy="307777"/>
+          </a:xfrm>
+          <a:prstGeom prst="rect">
+            <a:avLst/>
+          </a:prstGeom>
+          <a:noFill/>
+        </p:spPr>
+        <p:txBody>
+          <a:bodyPr wrap="none" rtlCol="0">
+            <a:spAutoFit/>
+          </a:bodyPr>
+          <a:lstStyle/>
+          <a:p>
+            <a:r>
+              <a:rPr lang="en-US" altLang="ko-KR" sz="1400" dirty="0" smtClean="0"/>
+              <a:t>CSS </a:t>
+            </a:r>
+            <a:r>
+              <a:rPr lang="ko-KR" altLang="en-US" sz="1400" dirty="0" err="1" smtClean="0"/>
+              <a:t>두곳에서</a:t>
+            </a:r>
+            <a:r>
+              <a:rPr lang="ko-KR" altLang="en-US" sz="1400" dirty="0" smtClean="0"/>
+              <a:t> 크기 관리를 하고 있습니다</a:t>
+            </a:r>
+            <a:r>
+              <a:rPr lang="en-US" altLang="ko-KR" sz="1400" dirty="0" smtClean="0"/>
+              <a:t>.</a:t>
+            </a:r>
+            <a:endParaRPr lang="ko-KR" altLang="en-US" sz="1400" dirty="0"/>
+          </a:p>
+        </p:txBody>
+      </p:sp>
+      <p:sp>
+        <p:nvSpPr>
+          <p:cNvPr id="10" name="TextBox 9"/>
+          <p:cNvSpPr txBox="1"/>
+          <p:nvPr/>
+        </p:nvSpPr>
+        <p:spPr>
+          <a:xfrm>
+            <a:off x="2293996" y="6340839"/>
+            <a:ext cx="659155" cy="307777"/>
+          </a:xfrm>
+          <a:prstGeom prst="rect">
+            <a:avLst/>
+          </a:prstGeom>
+          <a:noFill/>
+        </p:spPr>
+        <p:txBody>
+          <a:bodyPr wrap="none" rtlCol="0">
+            <a:spAutoFit/>
+          </a:bodyPr>
+          <a:lstStyle/>
+          <a:p>
+            <a:r>
+              <a:rPr lang="en-US" altLang="ko-KR" sz="1400" dirty="0" smtClean="0"/>
+              <a:t>pc.css</a:t>
+            </a:r>
+            <a:endParaRPr lang="ko-KR" altLang="en-US" sz="1400" dirty="0"/>
+          </a:p>
+        </p:txBody>
+      </p:sp>
+      <p:sp>
+        <p:nvSpPr>
+          <p:cNvPr id="12" name="TextBox 11"/>
+          <p:cNvSpPr txBox="1"/>
+          <p:nvPr/>
+        </p:nvSpPr>
+        <p:spPr>
+          <a:xfrm>
+            <a:off x="8869682" y="2143592"/>
+            <a:ext cx="969176" cy="307777"/>
+          </a:xfrm>
+          <a:prstGeom prst="rect">
+            <a:avLst/>
+          </a:prstGeom>
+          <a:noFill/>
+        </p:spPr>
+        <p:txBody>
+          <a:bodyPr wrap="none" rtlCol="0">
+            <a:spAutoFit/>
+          </a:bodyPr>
+          <a:lstStyle/>
+          <a:p>
+            <a:r>
+              <a:rPr lang="en-US" altLang="ko-KR" sz="1400" dirty="0" smtClean="0"/>
+              <a:t>global.css</a:t>
+            </a:r>
+            <a:endParaRPr lang="ko-KR" altLang="en-US" sz="1400" dirty="0"/>
           </a:p>
         </p:txBody>
       </p:sp>
@@ -3231,8 +3765,8 @@
         </p:blipFill>
         <p:spPr>
           <a:xfrm>
-            <a:off x="656481" y="1032746"/>
-            <a:ext cx="2829320" cy="190527"/>
+            <a:off x="553506" y="895220"/>
+            <a:ext cx="4288316" cy="5337860"/>
           </a:xfrm>
           <a:prstGeom prst="rect">
             <a:avLst/>
@@ -3255,53 +3789,154 @@
         </p:blipFill>
         <p:spPr>
           <a:xfrm>
-            <a:off x="5411549" y="442209"/>
-            <a:ext cx="3211298" cy="4576957"/>
+            <a:off x="7029010" y="961165"/>
+            <a:ext cx="4408485" cy="928102"/>
           </a:xfrm>
           <a:prstGeom prst="rect">
             <a:avLst/>
           </a:prstGeom>
         </p:spPr>
       </p:pic>
-      <p:pic>
-        <p:nvPicPr>
-          <p:cNvPr id="5" name="그림 4"/>
-          <p:cNvPicPr>
-            <a:picLocks noChangeAspect="1"/>
-          </p:cNvPicPr>
+      <p:sp>
+        <p:nvSpPr>
+          <p:cNvPr id="5" name="직사각형 4"/>
+          <p:cNvSpPr/>
           <p:nvPr/>
-        </p:nvPicPr>
-        <p:blipFill>
-          <a:blip r:embed="rId4"/>
-          <a:stretch>
-            <a:fillRect/>
-          </a:stretch>
-        </p:blipFill>
-        <p:spPr>
-          <a:xfrm>
-            <a:off x="8739267" y="442209"/>
-            <a:ext cx="3232422" cy="4545771"/>
-          </a:xfrm>
-          <a:prstGeom prst="rect">
-            <a:avLst/>
-          </a:prstGeom>
-        </p:spPr>
-      </p:pic>
-      <p:sp>
-        <p:nvSpPr>
-          <p:cNvPr id="6" name="TextBox 5"/>
-          <p:cNvSpPr txBox="1"/>
-          <p:nvPr/>
-        </p:nvSpPr>
-        <p:spPr>
-          <a:xfrm>
-            <a:off x="727144" y="1564398"/>
-            <a:ext cx="2361544" cy="589329"/>
+        </p:nvSpPr>
+        <p:spPr>
+          <a:xfrm>
+            <a:off x="1633928" y="2803161"/>
+            <a:ext cx="1124262" cy="224852"/>
           </a:xfrm>
           <a:prstGeom prst="rect">
             <a:avLst/>
           </a:prstGeom>
           <a:noFill/>
+          <a:ln w="25400">
+            <a:solidFill>
+              <a:srgbClr val="FFFF00"/>
+            </a:solidFill>
+          </a:ln>
+        </p:spPr>
+        <p:style>
+          <a:lnRef idx="2">
+            <a:schemeClr val="accent1">
+              <a:shade val="50000"/>
+            </a:schemeClr>
+          </a:lnRef>
+          <a:fillRef idx="1">
+            <a:schemeClr val="accent1"/>
+          </a:fillRef>
+          <a:effectRef idx="0">
+            <a:schemeClr val="accent1"/>
+          </a:effectRef>
+          <a:fontRef idx="minor">
+            <a:schemeClr val="lt1"/>
+          </a:fontRef>
+        </p:style>
+        <p:txBody>
+          <a:bodyPr rtlCol="0" anchor="ctr"/>
+          <a:lstStyle/>
+          <a:p>
+            <a:pPr algn="ctr"/>
+            <a:endParaRPr lang="ko-KR" altLang="en-US"/>
+          </a:p>
+        </p:txBody>
+      </p:sp>
+      <p:sp>
+        <p:nvSpPr>
+          <p:cNvPr id="13" name="직사각형 12"/>
+          <p:cNvSpPr/>
+          <p:nvPr/>
+        </p:nvSpPr>
+        <p:spPr>
+          <a:xfrm>
+            <a:off x="2758190" y="5016708"/>
+            <a:ext cx="1124262" cy="224852"/>
+          </a:xfrm>
+          <a:prstGeom prst="rect">
+            <a:avLst/>
+          </a:prstGeom>
+          <a:noFill/>
+          <a:ln w="25400">
+            <a:solidFill>
+              <a:srgbClr val="FFFF00"/>
+            </a:solidFill>
+          </a:ln>
+        </p:spPr>
+        <p:style>
+          <a:lnRef idx="2">
+            <a:schemeClr val="accent1">
+              <a:shade val="50000"/>
+            </a:schemeClr>
+          </a:lnRef>
+          <a:fillRef idx="1">
+            <a:schemeClr val="accent1"/>
+          </a:fillRef>
+          <a:effectRef idx="0">
+            <a:schemeClr val="accent1"/>
+          </a:effectRef>
+          <a:fontRef idx="minor">
+            <a:schemeClr val="lt1"/>
+          </a:fontRef>
+        </p:style>
+        <p:txBody>
+          <a:bodyPr rtlCol="0" anchor="ctr"/>
+          <a:lstStyle/>
+          <a:p>
+            <a:pPr algn="ctr"/>
+            <a:endParaRPr lang="ko-KR" altLang="en-US"/>
+          </a:p>
+        </p:txBody>
+      </p:sp>
+      <p:cxnSp>
+        <p:nvCxnSpPr>
+          <p:cNvPr id="15" name="직선 화살표 연결선 14"/>
+          <p:cNvCxnSpPr/>
+          <p:nvPr/>
+        </p:nvCxnSpPr>
+        <p:spPr>
+          <a:xfrm flipH="1">
+            <a:off x="2953151" y="2915587"/>
+            <a:ext cx="2091039" cy="0"/>
+          </a:xfrm>
+          <a:prstGeom prst="straightConnector1">
+            <a:avLst/>
+          </a:prstGeom>
+          <a:ln>
+            <a:tailEnd type="triangle"/>
+          </a:ln>
+        </p:spPr>
+        <p:style>
+          <a:lnRef idx="1">
+            <a:schemeClr val="accent1"/>
+          </a:lnRef>
+          <a:fillRef idx="0">
+            <a:schemeClr val="accent1"/>
+          </a:fillRef>
+          <a:effectRef idx="0">
+            <a:schemeClr val="accent1"/>
+          </a:effectRef>
+          <a:fontRef idx="minor">
+            <a:schemeClr val="tx1"/>
+          </a:fontRef>
+        </p:style>
+      </p:cxnSp>
+      <p:sp>
+        <p:nvSpPr>
+          <p:cNvPr id="16" name="TextBox 15"/>
+          <p:cNvSpPr txBox="1"/>
+          <p:nvPr/>
+        </p:nvSpPr>
+        <p:spPr>
+          <a:xfrm>
+            <a:off x="5104240" y="2720236"/>
+            <a:ext cx="1244251" cy="307777"/>
+          </a:xfrm>
+          <a:prstGeom prst="rect">
+            <a:avLst/>
+          </a:prstGeom>
+          <a:noFill/>
         </p:spPr>
         <p:txBody>
           <a:bodyPr wrap="none" rtlCol="0">
@@ -3310,19 +3945,38 @@
           <a:lstStyle/>
           <a:p>
             <a:r>
-              <a:rPr lang="ko-KR" altLang="en-US" sz="1400" dirty="0" err="1" smtClean="0"/>
-              <a:t>태블릿용</a:t>
+              <a:rPr lang="en-US" altLang="ko-KR" sz="1400" dirty="0" smtClean="0"/>
+              <a:t>PC </a:t>
             </a:r>
             <a:r>
               <a:rPr lang="ko-KR" altLang="en-US" sz="1400" dirty="0" smtClean="0"/>
-              <a:t> </a:t>
-            </a:r>
-            <a:r>
-              <a:rPr lang="ko-KR" altLang="en-US" sz="1400" dirty="0" err="1" smtClean="0"/>
-              <a:t>크기조정</a:t>
-            </a:r>
-            <a:endParaRPr lang="en-US" altLang="ko-KR" sz="1400" dirty="0" smtClean="0"/>
-          </a:p>
+              <a:t>가로 크기</a:t>
+            </a:r>
+            <a:endParaRPr lang="ko-KR" altLang="en-US" sz="1400" dirty="0"/>
+          </a:p>
+        </p:txBody>
+      </p:sp>
+      <p:sp>
+        <p:nvSpPr>
+          <p:cNvPr id="17" name="TextBox 16"/>
+          <p:cNvSpPr txBox="1"/>
+          <p:nvPr/>
+        </p:nvSpPr>
+        <p:spPr>
+          <a:xfrm>
+            <a:off x="5032992" y="4751078"/>
+            <a:ext cx="1910331" cy="697050"/>
+          </a:xfrm>
+          <a:prstGeom prst="rect">
+            <a:avLst/>
+          </a:prstGeom>
+          <a:noFill/>
+        </p:spPr>
+        <p:txBody>
+          <a:bodyPr wrap="none" rtlCol="0">
+            <a:spAutoFit/>
+          </a:bodyPr>
+          <a:lstStyle/>
           <a:p>
             <a:pPr>
               <a:lnSpc>
@@ -3331,41 +3985,18 @@
             </a:pPr>
             <a:r>
               <a:rPr lang="en-US" altLang="ko-KR" sz="1400" dirty="0" smtClean="0"/>
-              <a:t>Html</a:t>
+              <a:t>1190px</a:t>
             </a:r>
             <a:r>
               <a:rPr lang="ko-KR" altLang="en-US" sz="1400" dirty="0" smtClean="0"/>
-              <a:t>에 클래스 넣어주세요</a:t>
-            </a:r>
-            <a:r>
-              <a:rPr lang="en-US" altLang="ko-KR" sz="1400" dirty="0" smtClean="0"/>
-              <a:t>.</a:t>
-            </a:r>
-            <a:endParaRPr lang="ko-KR" altLang="en-US" sz="1400" dirty="0"/>
-          </a:p>
-        </p:txBody>
-      </p:sp>
-      <p:sp>
-        <p:nvSpPr>
-          <p:cNvPr id="12" name="TextBox 11"/>
-          <p:cNvSpPr txBox="1"/>
-          <p:nvPr/>
-        </p:nvSpPr>
-        <p:spPr>
-          <a:xfrm>
-            <a:off x="2071141" y="5942946"/>
-            <a:ext cx="3126177" cy="697050"/>
-          </a:xfrm>
-          <a:prstGeom prst="rect">
-            <a:avLst/>
-          </a:prstGeom>
-          <a:noFill/>
-        </p:spPr>
-        <p:txBody>
-          <a:bodyPr wrap="none" rtlCol="0">
-            <a:spAutoFit/>
-          </a:bodyPr>
-          <a:lstStyle/>
+              <a:t>보다 </a:t>
+            </a:r>
+            <a:r>
+              <a:rPr lang="ko-KR" altLang="en-US" sz="1400" dirty="0" err="1" smtClean="0"/>
+              <a:t>작은경우</a:t>
+            </a:r>
+            <a:endParaRPr lang="en-US" altLang="ko-KR" sz="1400" dirty="0" smtClean="0"/>
+          </a:p>
           <a:p>
             <a:pPr>
               <a:lnSpc>
@@ -3374,23 +4005,11 @@
             </a:pPr>
             <a:r>
               <a:rPr lang="en-US" altLang="ko-KR" sz="1400" dirty="0" smtClean="0"/>
-              <a:t>pc.css  </a:t>
+              <a:t>100% </a:t>
             </a:r>
             <a:r>
               <a:rPr lang="ko-KR" altLang="en-US" sz="1400" dirty="0" smtClean="0"/>
-              <a:t>이 부분을 수정하시면 크기를</a:t>
-            </a:r>
-            <a:endParaRPr lang="en-US" altLang="ko-KR" sz="1400" dirty="0" smtClean="0"/>
-          </a:p>
-          <a:p>
-            <a:pPr>
-              <a:lnSpc>
-                <a:spcPct val="150000"/>
-              </a:lnSpc>
-            </a:pPr>
-            <a:r>
-              <a:rPr lang="ko-KR" altLang="en-US" sz="1400" dirty="0" smtClean="0"/>
-              <a:t>조정할 수 있습니다</a:t>
+              <a:t>로 보여줍니다</a:t>
             </a:r>
             <a:r>
               <a:rPr lang="en-US" altLang="ko-KR" sz="1400" dirty="0" smtClean="0"/>
@@ -3400,44 +4019,58 @@
           </a:p>
         </p:txBody>
       </p:sp>
-      <p:pic>
-        <p:nvPicPr>
-          <p:cNvPr id="7" name="그림 6"/>
-          <p:cNvPicPr>
-            <a:picLocks noChangeAspect="1"/>
-          </p:cNvPicPr>
-          <p:nvPr/>
-        </p:nvPicPr>
-        <p:blipFill>
-          <a:blip r:embed="rId5"/>
-          <a:stretch>
-            <a:fillRect/>
-          </a:stretch>
-        </p:blipFill>
-        <p:spPr>
-          <a:xfrm>
-            <a:off x="404395" y="2630774"/>
-            <a:ext cx="4657925" cy="2604204"/>
-          </a:xfrm>
-          <a:prstGeom prst="rect">
-            <a:avLst/>
-          </a:prstGeom>
-        </p:spPr>
-      </p:pic>
       <p:cxnSp>
         <p:nvCxnSpPr>
-          <p:cNvPr id="13" name="직선 연결선 12"/>
+          <p:cNvPr id="19" name="직선 화살표 연결선 18"/>
           <p:cNvCxnSpPr/>
           <p:nvPr/>
         </p:nvCxnSpPr>
         <p:spPr>
-          <a:xfrm>
-            <a:off x="3327816" y="5056641"/>
-            <a:ext cx="749509" cy="0"/>
+          <a:xfrm flipH="1">
+            <a:off x="3998670" y="5141627"/>
+            <a:ext cx="918104" cy="0"/>
+          </a:xfrm>
+          <a:prstGeom prst="straightConnector1">
+            <a:avLst/>
+          </a:prstGeom>
+          <a:ln>
+            <a:tailEnd type="triangle"/>
+          </a:ln>
+        </p:spPr>
+        <p:style>
+          <a:lnRef idx="1">
+            <a:schemeClr val="accent1"/>
+          </a:lnRef>
+          <a:fillRef idx="0">
+            <a:schemeClr val="accent1"/>
+          </a:fillRef>
+          <a:effectRef idx="0">
+            <a:schemeClr val="accent1"/>
+          </a:effectRef>
+          <a:fontRef idx="minor">
+            <a:schemeClr val="tx1"/>
+          </a:fontRef>
+        </p:style>
+      </p:cxnSp>
+      <p:cxnSp>
+        <p:nvCxnSpPr>
+          <p:cNvPr id="22" name="직선 연결선 21"/>
+          <p:cNvCxnSpPr/>
+          <p:nvPr/>
+        </p:nvCxnSpPr>
+        <p:spPr>
+          <a:xfrm>
+            <a:off x="9975954" y="1716374"/>
+            <a:ext cx="1176728" cy="0"/>
           </a:xfrm>
           <a:prstGeom prst="line">
             <a:avLst/>
           </a:prstGeom>
+          <a:ln>
+            <a:solidFill>
+              <a:srgbClr val="FFFF00"/>
+            </a:solidFill>
+          </a:ln>
         </p:spPr>
         <p:style>
           <a:lnRef idx="3">
@@ -3456,14 +4089,143 @@
       </p:cxnSp>
       <p:cxnSp>
         <p:nvCxnSpPr>
-          <p:cNvPr id="17" name="직선 화살표 연결선 16"/>
+          <p:cNvPr id="23" name="직선 연결선 22"/>
           <p:cNvCxnSpPr/>
           <p:nvPr/>
         </p:nvCxnSpPr>
         <p:spPr>
+          <a:xfrm>
+            <a:off x="9975954" y="1866276"/>
+            <a:ext cx="1176728" cy="0"/>
+          </a:xfrm>
+          <a:prstGeom prst="line">
+            <a:avLst/>
+          </a:prstGeom>
+          <a:ln>
+            <a:solidFill>
+              <a:srgbClr val="FFFF00"/>
+            </a:solidFill>
+          </a:ln>
+        </p:spPr>
+        <p:style>
+          <a:lnRef idx="3">
+            <a:schemeClr val="accent2"/>
+          </a:lnRef>
+          <a:fillRef idx="0">
+            <a:schemeClr val="accent2"/>
+          </a:fillRef>
+          <a:effectRef idx="2">
+            <a:schemeClr val="accent2"/>
+          </a:effectRef>
+          <a:fontRef idx="minor">
+            <a:schemeClr val="tx1"/>
+          </a:fontRef>
+        </p:style>
+      </p:cxnSp>
+      <p:sp>
+        <p:nvSpPr>
+          <p:cNvPr id="24" name="TextBox 23"/>
+          <p:cNvSpPr txBox="1"/>
+          <p:nvPr/>
+        </p:nvSpPr>
+        <p:spPr>
+          <a:xfrm>
+            <a:off x="7365481" y="2868821"/>
+            <a:ext cx="4777333" cy="954107"/>
+          </a:xfrm>
+          <a:prstGeom prst="rect">
+            <a:avLst/>
+          </a:prstGeom>
+          <a:noFill/>
+        </p:spPr>
+        <p:txBody>
+          <a:bodyPr wrap="none" rtlCol="0">
+            <a:spAutoFit/>
+          </a:bodyPr>
+          <a:lstStyle/>
+          <a:p>
+            <a:r>
+              <a:rPr lang="en-US" altLang="ko-KR" sz="1400" dirty="0" smtClean="0"/>
+              <a:t>100%</a:t>
+            </a:r>
+            <a:r>
+              <a:rPr lang="ko-KR" altLang="en-US" sz="1400" dirty="0" smtClean="0"/>
+              <a:t>는 </a:t>
+            </a:r>
+            <a:r>
+              <a:rPr lang="en-US" altLang="ko-KR" sz="1400" dirty="0" smtClean="0"/>
+              <a:t>420px~676px</a:t>
+            </a:r>
+            <a:r>
+              <a:rPr lang="ko-KR" altLang="en-US" sz="1400" dirty="0" smtClean="0"/>
+              <a:t>까지 보여주는 태블릿 크기입니다</a:t>
+            </a:r>
+            <a:r>
+              <a:rPr lang="en-US" altLang="ko-KR" sz="1400" dirty="0" smtClean="0"/>
+              <a:t>.</a:t>
+            </a:r>
+            <a:r>
+              <a:rPr lang="ko-KR" altLang="en-US" sz="1400" dirty="0" smtClean="0"/>
+              <a:t> </a:t>
+            </a:r>
+            <a:endParaRPr lang="en-US" altLang="ko-KR" sz="1400" dirty="0" smtClean="0"/>
+          </a:p>
+          <a:p>
+            <a:r>
+              <a:rPr lang="en-US" altLang="ko-KR" sz="1400" dirty="0" smtClean="0"/>
+              <a:t>67%</a:t>
+            </a:r>
+            <a:r>
+              <a:rPr lang="ko-KR" altLang="en-US" sz="1400" dirty="0" smtClean="0"/>
+              <a:t>는 </a:t>
+            </a:r>
+            <a:r>
+              <a:rPr lang="en-US" altLang="ko-KR" sz="1400" dirty="0" smtClean="0"/>
+              <a:t>pc </a:t>
+            </a:r>
+            <a:r>
+              <a:rPr lang="ko-KR" altLang="en-US" sz="1400" dirty="0" smtClean="0"/>
+              <a:t>크기에 보여주는 크기입니다</a:t>
+            </a:r>
+            <a:r>
+              <a:rPr lang="en-US" altLang="ko-KR" sz="1400" dirty="0" smtClean="0"/>
+              <a:t>.</a:t>
+            </a:r>
+          </a:p>
+          <a:p>
+            <a:endParaRPr lang="en-US" altLang="ko-KR" sz="1400" dirty="0"/>
+          </a:p>
+          <a:p>
+            <a:r>
+              <a:rPr lang="ko-KR" altLang="en-US" sz="1400" dirty="0" smtClean="0"/>
+              <a:t>모바일 기본 크기는 </a:t>
+            </a:r>
+            <a:r>
+              <a:rPr lang="en-US" altLang="ko-KR" sz="1400" dirty="0" smtClean="0"/>
+              <a:t>62.5% </a:t>
+            </a:r>
+            <a:r>
+              <a:rPr lang="ko-KR" altLang="en-US" sz="1400" dirty="0" smtClean="0"/>
+              <a:t>입니다</a:t>
+            </a:r>
+            <a:r>
+              <a:rPr lang="en-US" altLang="ko-KR" sz="1400" dirty="0" smtClean="0"/>
+              <a:t>.</a:t>
+            </a:r>
+            <a:endParaRPr lang="ko-KR" altLang="en-US" sz="1400" dirty="0"/>
+          </a:p>
+        </p:txBody>
+      </p:sp>
+      <p:cxnSp>
+        <p:nvCxnSpPr>
+          <p:cNvPr id="26" name="직선 화살표 연결선 25"/>
+          <p:cNvCxnSpPr/>
+          <p:nvPr/>
+        </p:nvCxnSpPr>
+        <p:spPr>
           <a:xfrm flipV="1">
-            <a:off x="3627620" y="5141626"/>
-            <a:ext cx="0" cy="710437"/>
+            <a:off x="10410668" y="1960721"/>
+            <a:ext cx="0" cy="897602"/>
           </a:xfrm>
           <a:prstGeom prst="straightConnector1">
             <a:avLst/>
@@ -3487,166 +4249,160 @@
           </a:fontRef>
         </p:style>
       </p:cxnSp>
+    </p:spTree>
+    <p:extLst>
+      <p:ext uri="{BB962C8B-B14F-4D97-AF65-F5344CB8AC3E}">
+        <p14:creationId xmlns:p14="http://schemas.microsoft.com/office/powerpoint/2010/main" val="3364999668"/>
+      </p:ext>
+    </p:extLst>
+  </p:cSld>
+  <p:clrMapOvr>
+    <a:masterClrMapping/>
+  </p:clrMapOvr>
+</p:sld>
+</file>
+
+<file path=ppt/slides/slide5.xml><?xml version="1.0" encoding="utf-8"?>
+<p:sld xmlns:a="http://schemas.openxmlformats.org/drawingml/2006/main" xmlns:r="http://schemas.openxmlformats.org/officeDocument/2006/relationships" xmlns:p="http://schemas.openxmlformats.org/presentationml/2006/main">
+  <p:cSld>
+    <p:spTree>
+      <p:nvGrpSpPr>
+        <p:cNvPr id="1" name=""/>
+        <p:cNvGrpSpPr/>
+        <p:nvPr/>
+      </p:nvGrpSpPr>
+      <p:grpSpPr>
+        <a:xfrm>
+          <a:off x="0" y="0"/>
+          <a:ext cx="0" cy="0"/>
+          <a:chOff x="0" y="0"/>
+          <a:chExt cx="0" cy="0"/>
+        </a:xfrm>
+      </p:grpSpPr>
+      <p:sp>
+        <p:nvSpPr>
+          <p:cNvPr id="6" name="TextBox 5"/>
+          <p:cNvSpPr txBox="1"/>
+          <p:nvPr/>
+        </p:nvSpPr>
+        <p:spPr>
+          <a:xfrm>
+            <a:off x="545328" y="254833"/>
+            <a:ext cx="1872629" cy="369332"/>
+          </a:xfrm>
+          <a:prstGeom prst="rect">
+            <a:avLst/>
+          </a:prstGeom>
+          <a:noFill/>
+        </p:spPr>
+        <p:txBody>
+          <a:bodyPr wrap="none" rtlCol="0">
+            <a:spAutoFit/>
+          </a:bodyPr>
+          <a:lstStyle/>
+          <a:p>
+            <a:r>
+              <a:rPr lang="en-US" altLang="ko-KR" dirty="0"/>
+              <a:t>UI-SJN-35-001L</a:t>
+            </a:r>
+            <a:endParaRPr lang="ko-KR" altLang="en-US" dirty="0"/>
+          </a:p>
+        </p:txBody>
+      </p:sp>
       <p:pic>
         <p:nvPicPr>
-          <p:cNvPr id="18" name="그림 17"/>
+          <p:cNvPr id="5" name="그림 4"/>
           <p:cNvPicPr>
             <a:picLocks noChangeAspect="1"/>
           </p:cNvPicPr>
           <p:nvPr/>
         </p:nvPicPr>
         <p:blipFill>
-          <a:blip r:embed="rId6"/>
+          <a:blip r:embed="rId2"/>
           <a:stretch>
             <a:fillRect/>
           </a:stretch>
         </p:blipFill>
         <p:spPr>
           <a:xfrm>
-            <a:off x="6179681" y="6167628"/>
-            <a:ext cx="5792008" cy="247685"/>
+            <a:off x="608502" y="1410246"/>
+            <a:ext cx="3419952" cy="2238687"/>
           </a:xfrm>
           <a:prstGeom prst="rect">
             <a:avLst/>
           </a:prstGeom>
         </p:spPr>
       </p:pic>
-      <p:cxnSp>
-        <p:nvCxnSpPr>
-          <p:cNvPr id="20" name="직선 화살표 연결선 19"/>
-          <p:cNvCxnSpPr/>
-          <p:nvPr/>
-        </p:nvCxnSpPr>
-        <p:spPr>
-          <a:xfrm flipV="1">
-            <a:off x="10580204" y="4987980"/>
-            <a:ext cx="0" cy="1060551"/>
-          </a:xfrm>
-          <a:prstGeom prst="straightConnector1">
-            <a:avLst/>
-          </a:prstGeom>
-          <a:ln>
-            <a:tailEnd type="triangle"/>
-          </a:ln>
-        </p:spPr>
-        <p:style>
-          <a:lnRef idx="1">
-            <a:schemeClr val="accent1"/>
-          </a:lnRef>
-          <a:fillRef idx="0">
-            <a:schemeClr val="accent1"/>
-          </a:fillRef>
-          <a:effectRef idx="0">
-            <a:schemeClr val="accent1"/>
-          </a:effectRef>
-          <a:fontRef idx="minor">
-            <a:schemeClr val="tx1"/>
-          </a:fontRef>
-        </p:style>
-      </p:cxnSp>
-      <p:sp>
-        <p:nvSpPr>
-          <p:cNvPr id="21" name="TextBox 20"/>
-          <p:cNvSpPr txBox="1"/>
-          <p:nvPr/>
-        </p:nvSpPr>
-        <p:spPr>
-          <a:xfrm>
-            <a:off x="6211419" y="5116139"/>
-            <a:ext cx="1693925" cy="307777"/>
-          </a:xfrm>
-          <a:prstGeom prst="rect">
-            <a:avLst/>
-          </a:prstGeom>
-          <a:noFill/>
-        </p:spPr>
-        <p:txBody>
-          <a:bodyPr wrap="none" rtlCol="0">
-            <a:spAutoFit/>
-          </a:bodyPr>
-          <a:lstStyle/>
-          <a:p>
-            <a:r>
-              <a:rPr lang="en-US" altLang="ko-KR" sz="1400" smtClean="0"/>
-              <a:t>420px </a:t>
-            </a:r>
-            <a:r>
-              <a:rPr lang="ko-KR" altLang="en-US" sz="1400" dirty="0" smtClean="0"/>
-              <a:t>사이즈 기본</a:t>
-            </a:r>
-            <a:endParaRPr lang="ko-KR" altLang="en-US" sz="1400" dirty="0"/>
-          </a:p>
-        </p:txBody>
-      </p:sp>
-      <p:sp>
-        <p:nvSpPr>
-          <p:cNvPr id="22" name="TextBox 21"/>
-          <p:cNvSpPr txBox="1"/>
-          <p:nvPr/>
-        </p:nvSpPr>
-        <p:spPr>
-          <a:xfrm>
-            <a:off x="8872172" y="5116139"/>
-            <a:ext cx="1708032" cy="523220"/>
-          </a:xfrm>
-          <a:prstGeom prst="rect">
-            <a:avLst/>
-          </a:prstGeom>
-          <a:noFill/>
-        </p:spPr>
-        <p:txBody>
-          <a:bodyPr wrap="none" rtlCol="0">
-            <a:spAutoFit/>
-          </a:bodyPr>
-          <a:lstStyle/>
-          <a:p>
-            <a:r>
-              <a:rPr lang="en-US" altLang="ko-KR" sz="1400" dirty="0" smtClean="0"/>
-              <a:t>Font-size: 100%</a:t>
-            </a:r>
-            <a:r>
-              <a:rPr lang="ko-KR" altLang="en-US" sz="1400" dirty="0" smtClean="0"/>
-              <a:t>로 </a:t>
-            </a:r>
-            <a:endParaRPr lang="en-US" altLang="ko-KR" sz="1400" dirty="0" smtClean="0"/>
-          </a:p>
-          <a:p>
-            <a:r>
-              <a:rPr lang="ko-KR" altLang="en-US" sz="1400" dirty="0" smtClean="0"/>
-              <a:t>늘렸을 경우</a:t>
-            </a:r>
-            <a:endParaRPr lang="ko-KR" altLang="en-US" sz="1400" dirty="0"/>
-          </a:p>
-        </p:txBody>
-      </p:sp>
       <p:pic>
         <p:nvPicPr>
-          <p:cNvPr id="23" name="그림 22"/>
+          <p:cNvPr id="7" name="그림 6"/>
           <p:cNvPicPr>
             <a:picLocks noChangeAspect="1"/>
           </p:cNvPicPr>
           <p:nvPr/>
         </p:nvPicPr>
         <p:blipFill>
-          <a:blip r:embed="rId7"/>
+          <a:blip r:embed="rId3"/>
           <a:stretch>
             <a:fillRect/>
           </a:stretch>
         </p:blipFill>
         <p:spPr>
           <a:xfrm>
-            <a:off x="2320367" y="295130"/>
-            <a:ext cx="2876951" cy="371527"/>
+            <a:off x="4779478" y="1380980"/>
+            <a:ext cx="6350719" cy="2297218"/>
           </a:xfrm>
           <a:prstGeom prst="rect">
             <a:avLst/>
           </a:prstGeom>
         </p:spPr>
       </p:pic>
+      <p:sp>
+        <p:nvSpPr>
+          <p:cNvPr id="10" name="TextBox 9"/>
+          <p:cNvSpPr txBox="1"/>
+          <p:nvPr/>
+        </p:nvSpPr>
+        <p:spPr>
+          <a:xfrm>
+            <a:off x="2943382" y="4310390"/>
+            <a:ext cx="3836307" cy="307777"/>
+          </a:xfrm>
+          <a:prstGeom prst="rect">
+            <a:avLst/>
+          </a:prstGeom>
+          <a:noFill/>
+        </p:spPr>
+        <p:txBody>
+          <a:bodyPr wrap="none" rtlCol="0">
+            <a:spAutoFit/>
+          </a:bodyPr>
+          <a:lstStyle/>
+          <a:p>
+            <a:r>
+              <a:rPr lang="en-US" altLang="ko-KR" sz="1400" dirty="0" smtClean="0"/>
+              <a:t>CSS</a:t>
+            </a:r>
+            <a:r>
+              <a:rPr lang="ko-KR" altLang="en-US" sz="1400" dirty="0" err="1" smtClean="0"/>
+              <a:t>를</a:t>
+            </a:r>
+            <a:r>
+              <a:rPr lang="ko-KR" altLang="en-US" sz="1400" dirty="0" smtClean="0"/>
+              <a:t> 의미가 다르게 사용해서 변경했습니다</a:t>
+            </a:r>
+            <a:r>
+              <a:rPr lang="en-US" altLang="ko-KR" sz="1400" dirty="0" smtClean="0"/>
+              <a:t>.</a:t>
+            </a:r>
+            <a:endParaRPr lang="ko-KR" altLang="en-US" sz="1400" dirty="0"/>
+          </a:p>
+        </p:txBody>
+      </p:sp>
     </p:spTree>
     <p:extLst>
       <p:ext uri="{BB962C8B-B14F-4D97-AF65-F5344CB8AC3E}">
-        <p14:creationId xmlns:p14="http://schemas.microsoft.com/office/powerpoint/2010/main" val="2323447768"/>
+        <p14:creationId xmlns:p14="http://schemas.microsoft.com/office/powerpoint/2010/main" val="2861721734"/>
       </p:ext>
     </p:extLst>
   </p:cSld>
